--- a/slides/035.pptx
+++ b/slides/035.pptx
@@ -106,6 +106,11 @@
       </a:defRPr>
     </a:lvl9pPr>
   </p:defaultTextStyle>
+  <p:extLst>
+    <p:ext uri="{EFAFB233-063F-42B5-8137-9DF3F51BA10A}">
+      <p15:sldGuideLst xmlns:p15="http://schemas.microsoft.com/office/powerpoint/2012/main"/>
+    </p:ext>
+  </p:extLst>
 </p:presentation>
 </file>
 
@@ -256,7 +261,7 @@
           <a:p>
             <a:fld id="{5AEC58D5-D0FD-5D43-AC21-2C9A8E377766}" type="datetimeFigureOut">
               <a:rPr lang="en-US" smtClean="0"/>
-              <a:t>2/3/18</a:t>
+              <a:t>2/14/18</a:t>
             </a:fld>
             <a:endParaRPr lang="en-US"/>
           </a:p>
@@ -454,7 +459,7 @@
           <a:p>
             <a:fld id="{5AEC58D5-D0FD-5D43-AC21-2C9A8E377766}" type="datetimeFigureOut">
               <a:rPr lang="en-US" smtClean="0"/>
-              <a:t>2/3/18</a:t>
+              <a:t>2/14/18</a:t>
             </a:fld>
             <a:endParaRPr lang="en-US"/>
           </a:p>
@@ -662,7 +667,7 @@
           <a:p>
             <a:fld id="{5AEC58D5-D0FD-5D43-AC21-2C9A8E377766}" type="datetimeFigureOut">
               <a:rPr lang="en-US" smtClean="0"/>
-              <a:t>2/3/18</a:t>
+              <a:t>2/14/18</a:t>
             </a:fld>
             <a:endParaRPr lang="en-US"/>
           </a:p>
@@ -860,7 +865,7 @@
           <a:p>
             <a:fld id="{5AEC58D5-D0FD-5D43-AC21-2C9A8E377766}" type="datetimeFigureOut">
               <a:rPr lang="en-US" smtClean="0"/>
-              <a:t>2/3/18</a:t>
+              <a:t>2/14/18</a:t>
             </a:fld>
             <a:endParaRPr lang="en-US"/>
           </a:p>
@@ -1135,7 +1140,7 @@
           <a:p>
             <a:fld id="{5AEC58D5-D0FD-5D43-AC21-2C9A8E377766}" type="datetimeFigureOut">
               <a:rPr lang="en-US" smtClean="0"/>
-              <a:t>2/3/18</a:t>
+              <a:t>2/14/18</a:t>
             </a:fld>
             <a:endParaRPr lang="en-US"/>
           </a:p>
@@ -1400,7 +1405,7 @@
           <a:p>
             <a:fld id="{5AEC58D5-D0FD-5D43-AC21-2C9A8E377766}" type="datetimeFigureOut">
               <a:rPr lang="en-US" smtClean="0"/>
-              <a:t>2/3/18</a:t>
+              <a:t>2/14/18</a:t>
             </a:fld>
             <a:endParaRPr lang="en-US"/>
           </a:p>
@@ -1812,7 +1817,7 @@
           <a:p>
             <a:fld id="{5AEC58D5-D0FD-5D43-AC21-2C9A8E377766}" type="datetimeFigureOut">
               <a:rPr lang="en-US" smtClean="0"/>
-              <a:t>2/3/18</a:t>
+              <a:t>2/14/18</a:t>
             </a:fld>
             <a:endParaRPr lang="en-US"/>
           </a:p>
@@ -1953,7 +1958,7 @@
           <a:p>
             <a:fld id="{5AEC58D5-D0FD-5D43-AC21-2C9A8E377766}" type="datetimeFigureOut">
               <a:rPr lang="en-US" smtClean="0"/>
-              <a:t>2/3/18</a:t>
+              <a:t>2/14/18</a:t>
             </a:fld>
             <a:endParaRPr lang="en-US"/>
           </a:p>
@@ -2066,7 +2071,7 @@
           <a:p>
             <a:fld id="{5AEC58D5-D0FD-5D43-AC21-2C9A8E377766}" type="datetimeFigureOut">
               <a:rPr lang="en-US" smtClean="0"/>
-              <a:t>2/3/18</a:t>
+              <a:t>2/14/18</a:t>
             </a:fld>
             <a:endParaRPr lang="en-US"/>
           </a:p>
@@ -2377,7 +2382,7 @@
           <a:p>
             <a:fld id="{5AEC58D5-D0FD-5D43-AC21-2C9A8E377766}" type="datetimeFigureOut">
               <a:rPr lang="en-US" smtClean="0"/>
-              <a:t>2/3/18</a:t>
+              <a:t>2/14/18</a:t>
             </a:fld>
             <a:endParaRPr lang="en-US"/>
           </a:p>
@@ -2665,7 +2670,7 @@
           <a:p>
             <a:fld id="{5AEC58D5-D0FD-5D43-AC21-2C9A8E377766}" type="datetimeFigureOut">
               <a:rPr lang="en-US" smtClean="0"/>
-              <a:t>2/3/18</a:t>
+              <a:t>2/14/18</a:t>
             </a:fld>
             <a:endParaRPr lang="en-US"/>
           </a:p>
@@ -2906,7 +2911,7 @@
           <a:p>
             <a:fld id="{5AEC58D5-D0FD-5D43-AC21-2C9A8E377766}" type="datetimeFigureOut">
               <a:rPr lang="en-US" smtClean="0"/>
-              <a:t>2/3/18</a:t>
+              <a:t>2/14/18</a:t>
             </a:fld>
             <a:endParaRPr lang="en-US"/>
           </a:p>
@@ -3539,7 +3544,7 @@
         <p:spPr>
           <a:xfrm>
             <a:off x="5275435" y="2390693"/>
-            <a:ext cx="412292" cy="584775"/>
+            <a:ext cx="420308" cy="584775"/>
           </a:xfrm>
           <a:prstGeom prst="rect">
             <a:avLst/>
@@ -3554,7 +3559,8 @@
           <a:p>
             <a:r>
               <a:rPr lang="en-US" sz="3200" b="1" dirty="0">
-                <a:latin typeface="+mn-ea"/>
+                <a:latin typeface="Yu Gothic" panose="020B0400000000000000" pitchFamily="34" charset="-128"/>
+                <a:ea typeface="Yu Gothic" panose="020B0400000000000000" pitchFamily="34" charset="-128"/>
               </a:rPr>
               <a:t>1</a:t>
             </a:r>
@@ -3576,7 +3582,7 @@
         <p:spPr>
           <a:xfrm>
             <a:off x="5067044" y="3428959"/>
-            <a:ext cx="867545" cy="584775"/>
+            <a:ext cx="891591" cy="584775"/>
           </a:xfrm>
           <a:prstGeom prst="rect">
             <a:avLst/>
@@ -3591,7 +3597,8 @@
           <a:p>
             <a:r>
               <a:rPr lang="en-US" sz="3200" b="1" dirty="0">
-                <a:latin typeface="+mn-ea"/>
+                <a:latin typeface="Yu Gothic" panose="020B0400000000000000" pitchFamily="34" charset="-128"/>
+                <a:ea typeface="Yu Gothic" panose="020B0400000000000000" pitchFamily="34" charset="-128"/>
               </a:rPr>
               <a:t>100</a:t>
             </a:r>
@@ -3613,7 +3620,7 @@
         <p:spPr>
           <a:xfrm>
             <a:off x="5079658" y="4435981"/>
-            <a:ext cx="776175" cy="584775"/>
+            <a:ext cx="832279" cy="584775"/>
           </a:xfrm>
           <a:prstGeom prst="rect">
             <a:avLst/>
@@ -3628,7 +3635,8 @@
           <a:p>
             <a:r>
               <a:rPr lang="en-US" sz="3200" b="1" dirty="0">
-                <a:latin typeface="+mn-ea"/>
+                <a:latin typeface="Yu Gothic" panose="020B0400000000000000" pitchFamily="34" charset="-128"/>
+                <a:ea typeface="Yu Gothic" panose="020B0400000000000000" pitchFamily="34" charset="-128"/>
               </a:rPr>
               <a:t>-17</a:t>
             </a:r>
@@ -3753,7 +3761,7 @@
         <p:spPr>
           <a:xfrm>
             <a:off x="8456154" y="2390692"/>
-            <a:ext cx="1382110" cy="584775"/>
+            <a:ext cx="1422184" cy="584775"/>
           </a:xfrm>
           <a:prstGeom prst="rect">
             <a:avLst/>
@@ -3768,7 +3776,8 @@
           <a:p>
             <a:r>
               <a:rPr lang="en-US" sz="3200" b="1" dirty="0">
-                <a:latin typeface="+mn-ea"/>
+                <a:latin typeface="Yu Gothic" panose="020B0400000000000000" pitchFamily="34" charset="-128"/>
+                <a:ea typeface="Yu Gothic" panose="020B0400000000000000" pitchFamily="34" charset="-128"/>
               </a:rPr>
               <a:t>'Hello'</a:t>
             </a:r>
@@ -3790,7 +3799,7 @@
         <p:spPr>
           <a:xfrm>
             <a:off x="8312677" y="3431324"/>
-            <a:ext cx="1768433" cy="584775"/>
+            <a:ext cx="1789272" cy="584775"/>
           </a:xfrm>
           <a:prstGeom prst="rect">
             <a:avLst/>
@@ -3805,7 +3814,8 @@
           <a:p>
             <a:r>
               <a:rPr lang="en-US" sz="3200" b="1" dirty="0">
-                <a:latin typeface="+mn-ea"/>
+                <a:latin typeface="Yu Gothic" panose="020B0400000000000000" pitchFamily="34" charset="-128"/>
+                <a:ea typeface="Yu Gothic" panose="020B0400000000000000" pitchFamily="34" charset="-128"/>
               </a:rPr>
               <a:t>'Python'</a:t>
             </a:r>
@@ -4554,7 +4564,8 @@
             <a:pPr algn="ctr"/>
             <a:r>
               <a:rPr lang="en-US" sz="3200" b="1" dirty="0">
-                <a:latin typeface="+mn-ea"/>
+                <a:latin typeface="Yu Gothic" panose="020B0400000000000000" pitchFamily="34" charset="-128"/>
+                <a:ea typeface="Yu Gothic" panose="020B0400000000000000" pitchFamily="34" charset="-128"/>
               </a:rPr>
               <a:t>str()</a:t>
             </a:r>
@@ -4665,7 +4676,8 @@
             <a:pPr algn="ctr"/>
             <a:r>
               <a:rPr lang="en-US" sz="3200" b="1" dirty="0">
-                <a:latin typeface="+mn-ea"/>
+                <a:latin typeface="Yu Gothic" panose="020B0400000000000000" pitchFamily="34" charset="-128"/>
+                <a:ea typeface="Yu Gothic" panose="020B0400000000000000" pitchFamily="34" charset="-128"/>
               </a:rPr>
               <a:t>int()</a:t>
             </a:r>
@@ -4687,7 +4699,7 @@
         <p:spPr>
           <a:xfrm>
             <a:off x="8730806" y="4170321"/>
-            <a:ext cx="1063112" cy="584775"/>
+            <a:ext cx="1087157" cy="584775"/>
           </a:xfrm>
           <a:prstGeom prst="rect">
             <a:avLst/>
@@ -4702,7 +4714,8 @@
           <a:p>
             <a:r>
               <a:rPr lang="en-US" sz="3200" b="1" dirty="0">
-                <a:latin typeface="+mn-ea"/>
+                <a:latin typeface="Yu Gothic" panose="020B0400000000000000" pitchFamily="34" charset="-128"/>
+                <a:ea typeface="Yu Gothic" panose="020B0400000000000000" pitchFamily="34" charset="-128"/>
               </a:rPr>
               <a:t>'123'</a:t>
             </a:r>
@@ -4724,7 +4737,7 @@
         <p:spPr>
           <a:xfrm>
             <a:off x="1935690" y="2589958"/>
-            <a:ext cx="1063112" cy="584775"/>
+            <a:ext cx="1087157" cy="584775"/>
           </a:xfrm>
           <a:prstGeom prst="rect">
             <a:avLst/>
@@ -4739,7 +4752,8 @@
           <a:p>
             <a:r>
               <a:rPr lang="en-US" sz="3200" b="1" dirty="0">
-                <a:latin typeface="+mn-ea"/>
+                <a:latin typeface="Yu Gothic" panose="020B0400000000000000" pitchFamily="34" charset="-128"/>
+                <a:ea typeface="Yu Gothic" panose="020B0400000000000000" pitchFamily="34" charset="-128"/>
               </a:rPr>
               <a:t>'123'</a:t>
             </a:r>
@@ -4761,7 +4775,7 @@
         <p:spPr>
           <a:xfrm>
             <a:off x="8822175" y="2550491"/>
-            <a:ext cx="867545" cy="584775"/>
+            <a:ext cx="891591" cy="584775"/>
           </a:xfrm>
           <a:prstGeom prst="rect">
             <a:avLst/>
@@ -4776,7 +4790,8 @@
           <a:p>
             <a:r>
               <a:rPr lang="en-US" sz="3200" b="1" dirty="0">
-                <a:latin typeface="+mn-ea"/>
+                <a:latin typeface="Yu Gothic" panose="020B0400000000000000" pitchFamily="34" charset="-128"/>
+                <a:ea typeface="Yu Gothic" panose="020B0400000000000000" pitchFamily="34" charset="-128"/>
               </a:rPr>
               <a:t>123</a:t>
             </a:r>
@@ -4798,7 +4813,7 @@
         <p:spPr>
           <a:xfrm>
             <a:off x="2027061" y="4148488"/>
-            <a:ext cx="867545" cy="584775"/>
+            <a:ext cx="891591" cy="584775"/>
           </a:xfrm>
           <a:prstGeom prst="rect">
             <a:avLst/>
@@ -4813,7 +4828,8 @@
           <a:p>
             <a:r>
               <a:rPr lang="en-US" sz="3200" b="1" dirty="0">
-                <a:latin typeface="+mn-ea"/>
+                <a:latin typeface="Yu Gothic" panose="020B0400000000000000" pitchFamily="34" charset="-128"/>
+                <a:ea typeface="Yu Gothic" panose="020B0400000000000000" pitchFamily="34" charset="-128"/>
               </a:rPr>
               <a:t>123</a:t>
             </a:r>

--- a/slides/035.pptx
+++ b/slides/035.pptx
@@ -261,7 +261,7 @@
           <a:p>
             <a:fld id="{5AEC58D5-D0FD-5D43-AC21-2C9A8E377766}" type="datetimeFigureOut">
               <a:rPr lang="en-US" smtClean="0"/>
-              <a:t>2/14/18</a:t>
+              <a:t>2/16/18</a:t>
             </a:fld>
             <a:endParaRPr lang="en-US"/>
           </a:p>
@@ -459,7 +459,7 @@
           <a:p>
             <a:fld id="{5AEC58D5-D0FD-5D43-AC21-2C9A8E377766}" type="datetimeFigureOut">
               <a:rPr lang="en-US" smtClean="0"/>
-              <a:t>2/14/18</a:t>
+              <a:t>2/16/18</a:t>
             </a:fld>
             <a:endParaRPr lang="en-US"/>
           </a:p>
@@ -667,7 +667,7 @@
           <a:p>
             <a:fld id="{5AEC58D5-D0FD-5D43-AC21-2C9A8E377766}" type="datetimeFigureOut">
               <a:rPr lang="en-US" smtClean="0"/>
-              <a:t>2/14/18</a:t>
+              <a:t>2/16/18</a:t>
             </a:fld>
             <a:endParaRPr lang="en-US"/>
           </a:p>
@@ -865,7 +865,7 @@
           <a:p>
             <a:fld id="{5AEC58D5-D0FD-5D43-AC21-2C9A8E377766}" type="datetimeFigureOut">
               <a:rPr lang="en-US" smtClean="0"/>
-              <a:t>2/14/18</a:t>
+              <a:t>2/16/18</a:t>
             </a:fld>
             <a:endParaRPr lang="en-US"/>
           </a:p>
@@ -1140,7 +1140,7 @@
           <a:p>
             <a:fld id="{5AEC58D5-D0FD-5D43-AC21-2C9A8E377766}" type="datetimeFigureOut">
               <a:rPr lang="en-US" smtClean="0"/>
-              <a:t>2/14/18</a:t>
+              <a:t>2/16/18</a:t>
             </a:fld>
             <a:endParaRPr lang="en-US"/>
           </a:p>
@@ -1405,7 +1405,7 @@
           <a:p>
             <a:fld id="{5AEC58D5-D0FD-5D43-AC21-2C9A8E377766}" type="datetimeFigureOut">
               <a:rPr lang="en-US" smtClean="0"/>
-              <a:t>2/14/18</a:t>
+              <a:t>2/16/18</a:t>
             </a:fld>
             <a:endParaRPr lang="en-US"/>
           </a:p>
@@ -1817,7 +1817,7 @@
           <a:p>
             <a:fld id="{5AEC58D5-D0FD-5D43-AC21-2C9A8E377766}" type="datetimeFigureOut">
               <a:rPr lang="en-US" smtClean="0"/>
-              <a:t>2/14/18</a:t>
+              <a:t>2/16/18</a:t>
             </a:fld>
             <a:endParaRPr lang="en-US"/>
           </a:p>
@@ -1958,7 +1958,7 @@
           <a:p>
             <a:fld id="{5AEC58D5-D0FD-5D43-AC21-2C9A8E377766}" type="datetimeFigureOut">
               <a:rPr lang="en-US" smtClean="0"/>
-              <a:t>2/14/18</a:t>
+              <a:t>2/16/18</a:t>
             </a:fld>
             <a:endParaRPr lang="en-US"/>
           </a:p>
@@ -2071,7 +2071,7 @@
           <a:p>
             <a:fld id="{5AEC58D5-D0FD-5D43-AC21-2C9A8E377766}" type="datetimeFigureOut">
               <a:rPr lang="en-US" smtClean="0"/>
-              <a:t>2/14/18</a:t>
+              <a:t>2/16/18</a:t>
             </a:fld>
             <a:endParaRPr lang="en-US"/>
           </a:p>
@@ -2382,7 +2382,7 @@
           <a:p>
             <a:fld id="{5AEC58D5-D0FD-5D43-AC21-2C9A8E377766}" type="datetimeFigureOut">
               <a:rPr lang="en-US" smtClean="0"/>
-              <a:t>2/14/18</a:t>
+              <a:t>2/16/18</a:t>
             </a:fld>
             <a:endParaRPr lang="en-US"/>
           </a:p>
@@ -2670,7 +2670,7 @@
           <a:p>
             <a:fld id="{5AEC58D5-D0FD-5D43-AC21-2C9A8E377766}" type="datetimeFigureOut">
               <a:rPr lang="en-US" smtClean="0"/>
-              <a:t>2/14/18</a:t>
+              <a:t>2/16/18</a:t>
             </a:fld>
             <a:endParaRPr lang="en-US"/>
           </a:p>
@@ -2911,7 +2911,7 @@
           <a:p>
             <a:fld id="{5AEC58D5-D0FD-5D43-AC21-2C9A8E377766}" type="datetimeFigureOut">
               <a:rPr lang="en-US" smtClean="0"/>
-              <a:t>2/14/18</a:t>
+              <a:t>2/16/18</a:t>
             </a:fld>
             <a:endParaRPr lang="en-US"/>
           </a:p>
